--- a/Unidad01/PjViaExitos/ViaExitos.pptx
+++ b/Unidad01/PjViaExitos/ViaExitos.pptx
@@ -39,7 +39,7 @@
       <p:boldItalic r:id="rId19"/>
     </p:embeddedFont>
     <p:embeddedFont>
-      <p:font typeface="Fjalla One" panose="020B0604020202020204" charset="0"/>
+      <p:font typeface="Fjalla One" panose="02000506040000020004" pitchFamily="2" charset="0"/>
       <p:regular r:id="rId20"/>
     </p:embeddedFont>
     <p:embeddedFont>
@@ -39142,10 +39142,10 @@
       </p:sp>
       <p:pic>
         <p:nvPicPr>
-          <p:cNvPr id="5" name="Imagen 4">
+          <p:cNvPr id="3" name="Imagen 2">
             <a:extLst>
               <a:ext uri="{FF2B5EF4-FFF2-40B4-BE49-F238E27FC236}">
-                <a16:creationId xmlns:a16="http://schemas.microsoft.com/office/drawing/2014/main" id="{419F9B83-3EF0-48D0-B49A-84E48BB8BF4C}"/>
+                <a16:creationId xmlns:a16="http://schemas.microsoft.com/office/drawing/2014/main" id="{8E4788FC-B326-4A82-AB14-D1F61A718029}"/>
               </a:ext>
             </a:extLst>
           </p:cNvPr>
@@ -39162,8 +39162,8 @@
         </p:blipFill>
         <p:spPr>
           <a:xfrm>
-            <a:off x="1594585" y="1542371"/>
-            <a:ext cx="7053030" cy="3348000"/>
+            <a:off x="1591955" y="1260987"/>
+            <a:ext cx="5821680" cy="3780000"/>
           </a:xfrm>
           <a:prstGeom prst="rect">
             <a:avLst/>
@@ -39232,10 +39232,10 @@
       </p:sp>
       <p:pic>
         <p:nvPicPr>
-          <p:cNvPr id="3" name="Imagen 2">
+          <p:cNvPr id="4" name="Imagen 3">
             <a:extLst>
               <a:ext uri="{FF2B5EF4-FFF2-40B4-BE49-F238E27FC236}">
-                <a16:creationId xmlns:a16="http://schemas.microsoft.com/office/drawing/2014/main" id="{8516AA38-814D-4BD9-AC10-CBB0E2784EAD}"/>
+                <a16:creationId xmlns:a16="http://schemas.microsoft.com/office/drawing/2014/main" id="{999E1D08-396B-441E-9CF0-C94FF1559FD6}"/>
               </a:ext>
             </a:extLst>
           </p:cNvPr>
@@ -39252,8 +39252,8 @@
         </p:blipFill>
         <p:spPr>
           <a:xfrm>
-            <a:off x="2242570" y="1736783"/>
-            <a:ext cx="5581650" cy="3028950"/>
+            <a:off x="2621063" y="1390496"/>
+            <a:ext cx="3901874" cy="3528000"/>
           </a:xfrm>
           <a:prstGeom prst="rect">
             <a:avLst/>
